--- a/slides/02 Tibbles.pptx
+++ b/slides/02 Tibbles.pptx
@@ -217,7 +217,7 @@
           <a:p>
             <a:fld id="{005845AE-ACE1-EC44-8625-84E41CDD46BF}" type="datetimeFigureOut">
               <a:rPr lang="en-US" smtClean="0"/>
-              <a:t>8/20/23</a:t>
+              <a:t>8/21/23</a:t>
             </a:fld>
             <a:endParaRPr lang="en-US"/>
           </a:p>
@@ -383,7 +383,7 @@
           <a:p>
             <a:fld id="{BBB7B6E1-B344-C444-840E-5BCE257718B4}" type="datetimeFigureOut">
               <a:rPr lang="en-US" smtClean="0"/>
-              <a:t>8/20/23</a:t>
+              <a:t>8/21/23</a:t>
             </a:fld>
             <a:endParaRPr lang="en-US"/>
           </a:p>
@@ -4385,10 +4385,10 @@
       </p:sp>
       <p:graphicFrame>
         <p:nvGraphicFramePr>
-          <p:cNvPr id="5" name="Table 5">
+          <p:cNvPr id="3" name="Table 5">
             <a:extLst>
               <a:ext uri="{FF2B5EF4-FFF2-40B4-BE49-F238E27FC236}">
-                <a16:creationId xmlns:a16="http://schemas.microsoft.com/office/drawing/2014/main" id="{1BAED23B-B9D8-D548-908D-6D6EAE4C957C}"/>
+                <a16:creationId xmlns:a16="http://schemas.microsoft.com/office/drawing/2014/main" id="{121E1B95-E311-77CD-D332-3ED0047756F8}"/>
               </a:ext>
             </a:extLst>
           </p:cNvPr>
@@ -4398,14 +4398,14 @@
           <p:nvPr>
             <p:extLst>
               <p:ext uri="{D42A27DB-BD31-4B8C-83A1-F6EECF244321}">
-                <p14:modId xmlns:p14="http://schemas.microsoft.com/office/powerpoint/2010/main" val="3685907164"/>
+                <p14:modId xmlns:p14="http://schemas.microsoft.com/office/powerpoint/2010/main" val="3513719913"/>
               </p:ext>
             </p:extLst>
           </p:nvPr>
         </p:nvGraphicFramePr>
         <p:xfrm>
           <a:off x="1860331" y="1752710"/>
-          <a:ext cx="8027277" cy="2595880"/>
+          <a:ext cx="8027277" cy="2225040"/>
         </p:xfrm>
         <a:graphic>
           <a:graphicData uri="http://schemas.openxmlformats.org/drawingml/2006/table">
@@ -4807,7 +4807,7 @@
                       <a:pPr algn="ctr"/>
                       <a:r>
                         <a:rPr lang="en-US" sz="1800" dirty="0"/>
-                        <a:t>OR Example 1 – Exploratory Data Analysis</a:t>
+                        <a:t>Using R with OR – Four Examples</a:t>
                       </a:r>
                     </a:p>
                   </a:txBody>
@@ -4821,7 +4821,7 @@
                       <a:pPr algn="ctr"/>
                       <a:r>
                         <a:rPr lang="en-US" sz="1800" dirty="0"/>
-                        <a:t>15 mins</a:t>
+                        <a:t>30 mins</a:t>
                       </a:r>
                     </a:p>
                   </a:txBody>
@@ -4830,59 +4830,6 @@
                 <a:extLst>
                   <a:ext uri="{0D108BD9-81ED-4DB2-BD59-A6C34878D82A}">
                     <a16:rowId xmlns:a16="http://schemas.microsoft.com/office/drawing/2014/main" val="3528757498"/>
-                  </a:ext>
-                </a:extLst>
-              </a:tr>
-              <a:tr h="370840">
-                <a:tc>
-                  <a:txBody>
-                    <a:bodyPr/>
-                    <a:lstStyle/>
-                    <a:p>
-                      <a:pPr algn="ctr"/>
-                      <a:r>
-                        <a:rPr lang="en-US" sz="1800" dirty="0">
-                          <a:solidFill>
-                            <a:schemeClr val="tx1"/>
-                          </a:solidFill>
-                        </a:rPr>
-                        <a:t>6</a:t>
-                      </a:r>
-                    </a:p>
-                  </a:txBody>
-                  <a:tcPr/>
-                </a:tc>
-                <a:tc>
-                  <a:txBody>
-                    <a:bodyPr/>
-                    <a:lstStyle/>
-                    <a:p>
-                      <a:pPr algn="ctr"/>
-                      <a:r>
-                        <a:rPr lang="en-US" sz="1800" dirty="0"/>
-                        <a:t>OR Example 2 – System Dynamics</a:t>
-                      </a:r>
-                    </a:p>
-                  </a:txBody>
-                  <a:tcPr/>
-                </a:tc>
-                <a:tc>
-                  <a:txBody>
-                    <a:bodyPr/>
-                    <a:lstStyle/>
-                    <a:p>
-                      <a:pPr algn="ctr"/>
-                      <a:r>
-                        <a:rPr lang="en-US" sz="1800" dirty="0"/>
-                        <a:t>15 mins</a:t>
-                      </a:r>
-                    </a:p>
-                  </a:txBody>
-                  <a:tcPr/>
-                </a:tc>
-                <a:extLst>
-                  <a:ext uri="{0D108BD9-81ED-4DB2-BD59-A6C34878D82A}">
-                    <a16:rowId xmlns:a16="http://schemas.microsoft.com/office/drawing/2014/main" val="821176012"/>
                   </a:ext>
                 </a:extLst>
               </a:tr>
